--- a/module-1/01-04 Designing the NTier Web API/01-04 Designing the NTier Web API.pptx
+++ b/module-1/01-04 Designing the NTier Web API/01-04 Designing the NTier Web API.pptx
@@ -7,25 +7,24 @@
     <p:sldMasterId id="2147483694" r:id="rId3"/>
   </p:sldMasterIdLst>
   <p:notesMasterIdLst>
-    <p:notesMasterId r:id="rId20"/>
+    <p:notesMasterId r:id="rId19"/>
   </p:notesMasterIdLst>
   <p:sldIdLst>
-    <p:sldId id="279" r:id="rId4"/>
-    <p:sldId id="256" r:id="rId5"/>
-    <p:sldId id="265" r:id="rId6"/>
-    <p:sldId id="266" r:id="rId7"/>
-    <p:sldId id="267" r:id="rId8"/>
-    <p:sldId id="268" r:id="rId9"/>
-    <p:sldId id="269" r:id="rId10"/>
-    <p:sldId id="270" r:id="rId11"/>
-    <p:sldId id="271" r:id="rId12"/>
-    <p:sldId id="272" r:id="rId13"/>
-    <p:sldId id="273" r:id="rId14"/>
-    <p:sldId id="274" r:id="rId15"/>
-    <p:sldId id="275" r:id="rId16"/>
-    <p:sldId id="276" r:id="rId17"/>
-    <p:sldId id="277" r:id="rId18"/>
-    <p:sldId id="278" r:id="rId19"/>
+    <p:sldId id="256" r:id="rId4"/>
+    <p:sldId id="265" r:id="rId5"/>
+    <p:sldId id="266" r:id="rId6"/>
+    <p:sldId id="267" r:id="rId7"/>
+    <p:sldId id="268" r:id="rId8"/>
+    <p:sldId id="269" r:id="rId9"/>
+    <p:sldId id="270" r:id="rId10"/>
+    <p:sldId id="271" r:id="rId11"/>
+    <p:sldId id="272" r:id="rId12"/>
+    <p:sldId id="273" r:id="rId13"/>
+    <p:sldId id="274" r:id="rId14"/>
+    <p:sldId id="275" r:id="rId15"/>
+    <p:sldId id="276" r:id="rId16"/>
+    <p:sldId id="277" r:id="rId17"/>
+    <p:sldId id="278" r:id="rId18"/>
   </p:sldIdLst>
   <p:sldSz cx="12192000" cy="6858000"/>
   <p:notesSz cx="6858000" cy="9144000"/>
@@ -214,7 +213,7 @@
           <a:p>
             <a:fld id="{05A18144-12B5-4EE6-9047-48E33B917929}" type="datetimeFigureOut">
               <a:rPr lang="en-US" smtClean="0"/>
-              <a:t>9/22/2021</a:t>
+              <a:t>5/17/2022</a:t>
             </a:fld>
             <a:endParaRPr lang="en-US"/>
           </a:p>
@@ -482,11 +481,11 @@
 </file>
 
 <file path=ppt/notesSlides/notesSlide1.xml><?xml version="1.0" encoding="utf-8"?>
-<p:notes xmlns:a="http://schemas.openxmlformats.org/drawingml/2006/main" xmlns:r="http://schemas.openxmlformats.org/officeDocument/2006/relationships" xmlns:p="http://schemas.openxmlformats.org/presentationml/2006/main">
+<p:notes xmlns:a="http://schemas.openxmlformats.org/drawingml/2006/main" xmlns:r="http://schemas.openxmlformats.org/officeDocument/2006/relationships" xmlns:p="http://schemas.openxmlformats.org/presentationml/2006/main" showMasterSp="0" showMasterPhAnim="0">
   <p:cSld>
     <p:spTree>
       <p:nvGrpSpPr>
-        <p:cNvPr id="1" name=""/>
+        <p:cNvPr id="1" name="Shape 168"/>
         <p:cNvGrpSpPr/>
         <p:nvPr/>
       </p:nvGrpSpPr>
@@ -500,159 +499,7 @@
       </p:grpSpPr>
       <p:sp>
         <p:nvSpPr>
-          <p:cNvPr id="2" name="Slide Image Placeholder 1"/>
-          <p:cNvSpPr>
-            <a:spLocks noGrp="1" noRot="1" noChangeAspect="1"/>
-          </p:cNvSpPr>
-          <p:nvPr>
-            <p:ph type="sldImg"/>
-          </p:nvPr>
-        </p:nvSpPr>
-        <p:spPr/>
-      </p:sp>
-      <p:sp>
-        <p:nvSpPr>
-          <p:cNvPr id="3" name="Notes Placeholder 2"/>
-          <p:cNvSpPr>
-            <a:spLocks noGrp="1"/>
-          </p:cNvSpPr>
-          <p:nvPr>
-            <p:ph type="body" idx="1"/>
-          </p:nvPr>
-        </p:nvSpPr>
-        <p:spPr/>
-        <p:txBody>
-          <a:bodyPr/>
-          <a:lstStyle/>
-          <a:p>
-            <a:endParaRPr lang="en-US" dirty="0"/>
-          </a:p>
-        </p:txBody>
-      </p:sp>
-      <p:sp>
-        <p:nvSpPr>
-          <p:cNvPr id="4" name="Slide Number Placeholder 3"/>
-          <p:cNvSpPr>
-            <a:spLocks noGrp="1"/>
-          </p:cNvSpPr>
-          <p:nvPr>
-            <p:ph type="sldNum" sz="quarter" idx="10"/>
-          </p:nvPr>
-        </p:nvSpPr>
-        <p:spPr>
-          <a:xfrm>
-            <a:off x="3884613" y="8685213"/>
-            <a:ext cx="2971800" cy="457200"/>
-          </a:xfrm>
-          <a:prstGeom prst="rect">
-            <a:avLst/>
-          </a:prstGeom>
-        </p:spPr>
-        <p:txBody>
-          <a:bodyPr/>
-          <a:lstStyle/>
-          <a:p>
-            <a:pPr marL="0" marR="0" lvl="0" indent="0" algn="l" defTabSz="914400" rtl="0" eaLnBrk="1" fontAlgn="auto" latinLnBrk="0" hangingPunct="1">
-              <a:lnSpc>
-                <a:spcPct val="100000"/>
-              </a:lnSpc>
-              <a:spcBef>
-                <a:spcPts val="0"/>
-              </a:spcBef>
-              <a:spcAft>
-                <a:spcPts val="0"/>
-              </a:spcAft>
-              <a:buClrTx/>
-              <a:buSzTx/>
-              <a:buFontTx/>
-              <a:buNone/>
-              <a:tabLst/>
-              <a:defRPr/>
-            </a:pPr>
-            <a:fld id="{DE326DE0-BACA-4EA0-B73F-CC7DC1D7F4A1}" type="slidenum">
-              <a:rPr kumimoji="0" lang="en-US" sz="1800" b="0" i="0" u="none" strike="noStrike" kern="1200" cap="none" spc="0" normalizeH="0" baseline="0" noProof="0" smtClean="0">
-                <a:ln>
-                  <a:noFill/>
-                </a:ln>
-                <a:solidFill>
-                  <a:prstClr val="black"/>
-                </a:solidFill>
-                <a:effectLst/>
-                <a:uLnTx/>
-                <a:uFillTx/>
-                <a:latin typeface="Calibri"/>
-                <a:ea typeface="+mn-ea"/>
-                <a:cs typeface="+mn-cs"/>
-              </a:rPr>
-              <a:pPr marL="0" marR="0" lvl="0" indent="0" algn="l" defTabSz="914400" rtl="0" eaLnBrk="1" fontAlgn="auto" latinLnBrk="0" hangingPunct="1">
-                <a:lnSpc>
-                  <a:spcPct val="100000"/>
-                </a:lnSpc>
-                <a:spcBef>
-                  <a:spcPts val="0"/>
-                </a:spcBef>
-                <a:spcAft>
-                  <a:spcPts val="0"/>
-                </a:spcAft>
-                <a:buClrTx/>
-                <a:buSzTx/>
-                <a:buFontTx/>
-                <a:buNone/>
-                <a:tabLst/>
-                <a:defRPr/>
-              </a:pPr>
-              <a:t>1</a:t>
-            </a:fld>
-            <a:endParaRPr kumimoji="0" lang="en-US" sz="1800" b="0" i="0" u="none" strike="noStrike" kern="1200" cap="none" spc="0" normalizeH="0" baseline="0" noProof="0">
-              <a:ln>
-                <a:noFill/>
-              </a:ln>
-              <a:solidFill>
-                <a:prstClr val="black"/>
-              </a:solidFill>
-              <a:effectLst/>
-              <a:uLnTx/>
-              <a:uFillTx/>
-              <a:latin typeface="Calibri"/>
-              <a:ea typeface="+mn-ea"/>
-              <a:cs typeface="+mn-cs"/>
-            </a:endParaRPr>
-          </a:p>
-        </p:txBody>
-      </p:sp>
-    </p:spTree>
-    <p:extLst>
-      <p:ext uri="{BB962C8B-B14F-4D97-AF65-F5344CB8AC3E}">
-        <p14:creationId xmlns:p14="http://schemas.microsoft.com/office/powerpoint/2010/main" val="4261198586"/>
-      </p:ext>
-    </p:extLst>
-  </p:cSld>
-  <p:clrMapOvr>
-    <a:masterClrMapping/>
-  </p:clrMapOvr>
-</p:notes>
-</file>
-
-<file path=ppt/notesSlides/notesSlide10.xml><?xml version="1.0" encoding="utf-8"?>
-<p:notes xmlns:a="http://schemas.openxmlformats.org/drawingml/2006/main" xmlns:r="http://schemas.openxmlformats.org/officeDocument/2006/relationships" xmlns:p="http://schemas.openxmlformats.org/presentationml/2006/main" showMasterSp="0" showMasterPhAnim="0">
-  <p:cSld>
-    <p:spTree>
-      <p:nvGrpSpPr>
-        <p:cNvPr id="1" name="Shape 227"/>
-        <p:cNvGrpSpPr/>
-        <p:nvPr/>
-      </p:nvGrpSpPr>
-      <p:grpSpPr>
-        <a:xfrm>
-          <a:off x="0" y="0"/>
-          <a:ext cx="0" cy="0"/>
-          <a:chOff x="0" y="0"/>
-          <a:chExt cx="0" cy="0"/>
-        </a:xfrm>
-      </p:grpSpPr>
-      <p:sp>
-        <p:nvSpPr>
-          <p:cNvPr id="228" name="Google Shape;228;p18:notes"/>
+          <p:cNvPr id="169" name="Google Shape;169;p10:notes"/>
           <p:cNvSpPr txBox="1">
             <a:spLocks noGrp="1"/>
           </p:cNvSpPr>
@@ -690,7 +537,7 @@
       </p:sp>
       <p:sp>
         <p:nvSpPr>
-          <p:cNvPr id="229" name="Google Shape;229;p18:notes"/>
+          <p:cNvPr id="170" name="Google Shape;170;p10:notes"/>
           <p:cNvSpPr>
             <a:spLocks noGrp="1" noRot="1" noChangeAspect="1"/>
           </p:cNvSpPr>
@@ -737,7 +584,7 @@
 </p:notes>
 </file>
 
-<file path=ppt/notesSlides/notesSlide11.xml><?xml version="1.0" encoding="utf-8"?>
+<file path=ppt/notesSlides/notesSlide10.xml><?xml version="1.0" encoding="utf-8"?>
 <p:notes xmlns:a="http://schemas.openxmlformats.org/drawingml/2006/main" xmlns:r="http://schemas.openxmlformats.org/officeDocument/2006/relationships" xmlns:p="http://schemas.openxmlformats.org/presentationml/2006/main" showMasterSp="0" showMasterPhAnim="0">
   <p:cSld>
     <p:spTree>
@@ -841,7 +688,7 @@
 </p:notes>
 </file>
 
-<file path=ppt/notesSlides/notesSlide12.xml><?xml version="1.0" encoding="utf-8"?>
+<file path=ppt/notesSlides/notesSlide11.xml><?xml version="1.0" encoding="utf-8"?>
 <p:notes xmlns:a="http://schemas.openxmlformats.org/drawingml/2006/main" xmlns:r="http://schemas.openxmlformats.org/officeDocument/2006/relationships" xmlns:p="http://schemas.openxmlformats.org/presentationml/2006/main" showMasterSp="0" showMasterPhAnim="0">
   <p:cSld>
     <p:spTree>
@@ -945,7 +792,7 @@
 </p:notes>
 </file>
 
-<file path=ppt/notesSlides/notesSlide13.xml><?xml version="1.0" encoding="utf-8"?>
+<file path=ppt/notesSlides/notesSlide12.xml><?xml version="1.0" encoding="utf-8"?>
 <p:notes xmlns:a="http://schemas.openxmlformats.org/drawingml/2006/main" xmlns:r="http://schemas.openxmlformats.org/officeDocument/2006/relationships" xmlns:p="http://schemas.openxmlformats.org/presentationml/2006/main" showMasterSp="0" showMasterPhAnim="0">
   <p:cSld>
     <p:spTree>
@@ -1049,7 +896,7 @@
 </p:notes>
 </file>
 
-<file path=ppt/notesSlides/notesSlide14.xml><?xml version="1.0" encoding="utf-8"?>
+<file path=ppt/notesSlides/notesSlide13.xml><?xml version="1.0" encoding="utf-8"?>
 <p:notes xmlns:a="http://schemas.openxmlformats.org/drawingml/2006/main" xmlns:r="http://schemas.openxmlformats.org/officeDocument/2006/relationships" xmlns:p="http://schemas.openxmlformats.org/presentationml/2006/main" showMasterSp="0" showMasterPhAnim="0">
   <p:cSld>
     <p:spTree>
@@ -1153,7 +1000,7 @@
 </p:notes>
 </file>
 
-<file path=ppt/notesSlides/notesSlide15.xml><?xml version="1.0" encoding="utf-8"?>
+<file path=ppt/notesSlides/notesSlide14.xml><?xml version="1.0" encoding="utf-8"?>
 <p:notes xmlns:a="http://schemas.openxmlformats.org/drawingml/2006/main" xmlns:r="http://schemas.openxmlformats.org/officeDocument/2006/relationships" xmlns:p="http://schemas.openxmlformats.org/presentationml/2006/main" showMasterSp="0" showMasterPhAnim="0">
   <p:cSld>
     <p:spTree>
@@ -1262,7 +1109,7 @@
   <p:cSld>
     <p:spTree>
       <p:nvGrpSpPr>
-        <p:cNvPr id="1" name="Shape 168"/>
+        <p:cNvPr id="1" name="Shape 185"/>
         <p:cNvGrpSpPr/>
         <p:nvPr/>
       </p:nvGrpSpPr>
@@ -1276,7 +1123,7 @@
       </p:grpSpPr>
       <p:sp>
         <p:nvSpPr>
-          <p:cNvPr id="169" name="Google Shape;169;p10:notes"/>
+          <p:cNvPr id="186" name="Google Shape;186;p11:notes"/>
           <p:cNvSpPr txBox="1">
             <a:spLocks noGrp="1"/>
           </p:cNvSpPr>
@@ -1314,7 +1161,7 @@
       </p:sp>
       <p:sp>
         <p:nvSpPr>
-          <p:cNvPr id="170" name="Google Shape;170;p10:notes"/>
+          <p:cNvPr id="187" name="Google Shape;187;p11:notes"/>
           <p:cNvSpPr>
             <a:spLocks noGrp="1" noRot="1" noChangeAspect="1"/>
           </p:cNvSpPr>
@@ -1366,7 +1213,7 @@
   <p:cSld>
     <p:spTree>
       <p:nvGrpSpPr>
-        <p:cNvPr id="1" name="Shape 185"/>
+        <p:cNvPr id="1" name="Shape 191"/>
         <p:cNvGrpSpPr/>
         <p:nvPr/>
       </p:nvGrpSpPr>
@@ -1380,7 +1227,7 @@
       </p:grpSpPr>
       <p:sp>
         <p:nvSpPr>
-          <p:cNvPr id="186" name="Google Shape;186;p11:notes"/>
+          <p:cNvPr id="192" name="Google Shape;192;p12:notes"/>
           <p:cNvSpPr txBox="1">
             <a:spLocks noGrp="1"/>
           </p:cNvSpPr>
@@ -1418,7 +1265,7 @@
       </p:sp>
       <p:sp>
         <p:nvSpPr>
-          <p:cNvPr id="187" name="Google Shape;187;p11:notes"/>
+          <p:cNvPr id="193" name="Google Shape;193;p12:notes"/>
           <p:cNvSpPr>
             <a:spLocks noGrp="1" noRot="1" noChangeAspect="1"/>
           </p:cNvSpPr>
@@ -1470,7 +1317,7 @@
   <p:cSld>
     <p:spTree>
       <p:nvGrpSpPr>
-        <p:cNvPr id="1" name="Shape 191"/>
+        <p:cNvPr id="1" name="Shape 197"/>
         <p:cNvGrpSpPr/>
         <p:nvPr/>
       </p:nvGrpSpPr>
@@ -1484,7 +1331,7 @@
       </p:grpSpPr>
       <p:sp>
         <p:nvSpPr>
-          <p:cNvPr id="192" name="Google Shape;192;p12:notes"/>
+          <p:cNvPr id="198" name="Google Shape;198;p13:notes"/>
           <p:cNvSpPr txBox="1">
             <a:spLocks noGrp="1"/>
           </p:cNvSpPr>
@@ -1522,7 +1369,7 @@
       </p:sp>
       <p:sp>
         <p:nvSpPr>
-          <p:cNvPr id="193" name="Google Shape;193;p12:notes"/>
+          <p:cNvPr id="199" name="Google Shape;199;p13:notes"/>
           <p:cNvSpPr>
             <a:spLocks noGrp="1" noRot="1" noChangeAspect="1"/>
           </p:cNvSpPr>
@@ -1574,7 +1421,7 @@
   <p:cSld>
     <p:spTree>
       <p:nvGrpSpPr>
-        <p:cNvPr id="1" name="Shape 197"/>
+        <p:cNvPr id="1" name="Shape 203"/>
         <p:cNvGrpSpPr/>
         <p:nvPr/>
       </p:nvGrpSpPr>
@@ -1588,7 +1435,7 @@
       </p:grpSpPr>
       <p:sp>
         <p:nvSpPr>
-          <p:cNvPr id="198" name="Google Shape;198;p13:notes"/>
+          <p:cNvPr id="204" name="Google Shape;204;p14:notes"/>
           <p:cNvSpPr txBox="1">
             <a:spLocks noGrp="1"/>
           </p:cNvSpPr>
@@ -1626,7 +1473,7 @@
       </p:sp>
       <p:sp>
         <p:nvSpPr>
-          <p:cNvPr id="199" name="Google Shape;199;p13:notes"/>
+          <p:cNvPr id="205" name="Google Shape;205;p14:notes"/>
           <p:cNvSpPr>
             <a:spLocks noGrp="1" noRot="1" noChangeAspect="1"/>
           </p:cNvSpPr>
@@ -1678,7 +1525,7 @@
   <p:cSld>
     <p:spTree>
       <p:nvGrpSpPr>
-        <p:cNvPr id="1" name="Shape 203"/>
+        <p:cNvPr id="1" name="Shape 209"/>
         <p:cNvGrpSpPr/>
         <p:nvPr/>
       </p:nvGrpSpPr>
@@ -1692,7 +1539,7 @@
       </p:grpSpPr>
       <p:sp>
         <p:nvSpPr>
-          <p:cNvPr id="204" name="Google Shape;204;p14:notes"/>
+          <p:cNvPr id="210" name="Google Shape;210;p15:notes"/>
           <p:cNvSpPr txBox="1">
             <a:spLocks noGrp="1"/>
           </p:cNvSpPr>
@@ -1730,7 +1577,7 @@
       </p:sp>
       <p:sp>
         <p:nvSpPr>
-          <p:cNvPr id="205" name="Google Shape;205;p14:notes"/>
+          <p:cNvPr id="211" name="Google Shape;211;p15:notes"/>
           <p:cNvSpPr>
             <a:spLocks noGrp="1" noRot="1" noChangeAspect="1"/>
           </p:cNvSpPr>
@@ -1782,7 +1629,7 @@
   <p:cSld>
     <p:spTree>
       <p:nvGrpSpPr>
-        <p:cNvPr id="1" name="Shape 209"/>
+        <p:cNvPr id="1" name="Shape 215"/>
         <p:cNvGrpSpPr/>
         <p:nvPr/>
       </p:nvGrpSpPr>
@@ -1796,7 +1643,7 @@
       </p:grpSpPr>
       <p:sp>
         <p:nvSpPr>
-          <p:cNvPr id="210" name="Google Shape;210;p15:notes"/>
+          <p:cNvPr id="216" name="Google Shape;216;p16:notes"/>
           <p:cNvSpPr txBox="1">
             <a:spLocks noGrp="1"/>
           </p:cNvSpPr>
@@ -1834,7 +1681,7 @@
       </p:sp>
       <p:sp>
         <p:nvSpPr>
-          <p:cNvPr id="211" name="Google Shape;211;p15:notes"/>
+          <p:cNvPr id="217" name="Google Shape;217;p16:notes"/>
           <p:cNvSpPr>
             <a:spLocks noGrp="1" noRot="1" noChangeAspect="1"/>
           </p:cNvSpPr>
@@ -1886,7 +1733,7 @@
   <p:cSld>
     <p:spTree>
       <p:nvGrpSpPr>
-        <p:cNvPr id="1" name="Shape 215"/>
+        <p:cNvPr id="1" name="Shape 221"/>
         <p:cNvGrpSpPr/>
         <p:nvPr/>
       </p:nvGrpSpPr>
@@ -1900,7 +1747,7 @@
       </p:grpSpPr>
       <p:sp>
         <p:nvSpPr>
-          <p:cNvPr id="216" name="Google Shape;216;p16:notes"/>
+          <p:cNvPr id="222" name="Google Shape;222;p17:notes"/>
           <p:cNvSpPr txBox="1">
             <a:spLocks noGrp="1"/>
           </p:cNvSpPr>
@@ -1938,7 +1785,7 @@
       </p:sp>
       <p:sp>
         <p:nvSpPr>
-          <p:cNvPr id="217" name="Google Shape;217;p16:notes"/>
+          <p:cNvPr id="223" name="Google Shape;223;p17:notes"/>
           <p:cNvSpPr>
             <a:spLocks noGrp="1" noRot="1" noChangeAspect="1"/>
           </p:cNvSpPr>
@@ -1990,7 +1837,7 @@
   <p:cSld>
     <p:spTree>
       <p:nvGrpSpPr>
-        <p:cNvPr id="1" name="Shape 221"/>
+        <p:cNvPr id="1" name="Shape 227"/>
         <p:cNvGrpSpPr/>
         <p:nvPr/>
       </p:nvGrpSpPr>
@@ -2004,7 +1851,7 @@
       </p:grpSpPr>
       <p:sp>
         <p:nvSpPr>
-          <p:cNvPr id="222" name="Google Shape;222;p17:notes"/>
+          <p:cNvPr id="228" name="Google Shape;228;p18:notes"/>
           <p:cNvSpPr txBox="1">
             <a:spLocks noGrp="1"/>
           </p:cNvSpPr>
@@ -2042,7 +1889,7 @@
       </p:sp>
       <p:sp>
         <p:nvSpPr>
-          <p:cNvPr id="223" name="Google Shape;223;p17:notes"/>
+          <p:cNvPr id="229" name="Google Shape;229;p18:notes"/>
           <p:cNvSpPr>
             <a:spLocks noGrp="1" noRot="1" noChangeAspect="1"/>
           </p:cNvSpPr>
@@ -2317,7 +2164,7 @@
           <a:p>
             <a:fld id="{CD72C7F1-0599-445A-9867-780AEDEA7EED}" type="datetimeFigureOut">
               <a:rPr lang="en-US" smtClean="0"/>
-              <a:t>9/22/2021</a:t>
+              <a:t>5/17/2022</a:t>
             </a:fld>
             <a:endParaRPr lang="en-US"/>
           </a:p>
@@ -2525,7 +2372,7 @@
           <a:p>
             <a:fld id="{CD72C7F1-0599-445A-9867-780AEDEA7EED}" type="datetimeFigureOut">
               <a:rPr lang="en-US" smtClean="0"/>
-              <a:t>9/22/2021</a:t>
+              <a:t>5/17/2022</a:t>
             </a:fld>
             <a:endParaRPr lang="en-US"/>
           </a:p>
@@ -2783,7 +2630,7 @@
           <a:p>
             <a:fld id="{CD72C7F1-0599-445A-9867-780AEDEA7EED}" type="datetimeFigureOut">
               <a:rPr lang="en-US" smtClean="0"/>
-              <a:t>9/22/2021</a:t>
+              <a:t>5/17/2022</a:t>
             </a:fld>
             <a:endParaRPr lang="en-US"/>
           </a:p>
@@ -12315,7 +12162,7 @@
           <a:p>
             <a:fld id="{CD72C7F1-0599-445A-9867-780AEDEA7EED}" type="datetimeFigureOut">
               <a:rPr lang="en-US" smtClean="0"/>
-              <a:t>9/22/2021</a:t>
+              <a:t>5/17/2022</a:t>
             </a:fld>
             <a:endParaRPr lang="en-US"/>
           </a:p>
@@ -13585,7 +13432,7 @@
           <a:p>
             <a:fld id="{D088F999-7A4E-6B4F-9FED-EF75B73AD044}" type="datetimeFigureOut">
               <a:rPr lang="en-US" smtClean="0"/>
-              <a:t>9/22/2021</a:t>
+              <a:t>5/17/2022</a:t>
             </a:fld>
             <a:endParaRPr lang="en-US"/>
           </a:p>
@@ -13753,7 +13600,7 @@
           <a:p>
             <a:fld id="{D088F999-7A4E-6B4F-9FED-EF75B73AD044}" type="datetimeFigureOut">
               <a:rPr lang="en-US" smtClean="0"/>
-              <a:t>9/22/2021</a:t>
+              <a:t>5/17/2022</a:t>
             </a:fld>
             <a:endParaRPr lang="en-US"/>
           </a:p>
@@ -13998,7 +13845,7 @@
           <a:p>
             <a:fld id="{D088F999-7A4E-6B4F-9FED-EF75B73AD044}" type="datetimeFigureOut">
               <a:rPr lang="en-US" smtClean="0"/>
-              <a:t>9/22/2021</a:t>
+              <a:t>5/17/2022</a:t>
             </a:fld>
             <a:endParaRPr lang="en-US"/>
           </a:p>
@@ -14283,7 +14130,7 @@
           <a:p>
             <a:fld id="{D088F999-7A4E-6B4F-9FED-EF75B73AD044}" type="datetimeFigureOut">
               <a:rPr lang="en-US" smtClean="0"/>
-              <a:t>9/22/2021</a:t>
+              <a:t>5/17/2022</a:t>
             </a:fld>
             <a:endParaRPr lang="en-US"/>
           </a:p>
@@ -14702,7 +14549,7 @@
           <a:p>
             <a:fld id="{D088F999-7A4E-6B4F-9FED-EF75B73AD044}" type="datetimeFigureOut">
               <a:rPr lang="en-US" smtClean="0"/>
-              <a:t>9/22/2021</a:t>
+              <a:t>5/17/2022</a:t>
             </a:fld>
             <a:endParaRPr lang="en-US"/>
           </a:p>
@@ -14819,7 +14666,7 @@
           <a:p>
             <a:fld id="{D088F999-7A4E-6B4F-9FED-EF75B73AD044}" type="datetimeFigureOut">
               <a:rPr lang="en-US" smtClean="0"/>
-              <a:t>9/22/2021</a:t>
+              <a:t>5/17/2022</a:t>
             </a:fld>
             <a:endParaRPr lang="en-US"/>
           </a:p>
@@ -14914,7 +14761,7 @@
           <a:p>
             <a:fld id="{D088F999-7A4E-6B4F-9FED-EF75B73AD044}" type="datetimeFigureOut">
               <a:rPr lang="en-US" smtClean="0"/>
-              <a:t>9/22/2021</a:t>
+              <a:t>5/17/2022</a:t>
             </a:fld>
             <a:endParaRPr lang="en-US"/>
           </a:p>
@@ -15189,7 +15036,7 @@
           <a:p>
             <a:fld id="{D088F999-7A4E-6B4F-9FED-EF75B73AD044}" type="datetimeFigureOut">
               <a:rPr lang="en-US" smtClean="0"/>
-              <a:t>9/22/2021</a:t>
+              <a:t>5/17/2022</a:t>
             </a:fld>
             <a:endParaRPr lang="en-US"/>
           </a:p>
@@ -15441,7 +15288,7 @@
           <a:p>
             <a:fld id="{D088F999-7A4E-6B4F-9FED-EF75B73AD044}" type="datetimeFigureOut">
               <a:rPr lang="en-US" smtClean="0"/>
-              <a:t>9/22/2021</a:t>
+              <a:t>5/17/2022</a:t>
             </a:fld>
             <a:endParaRPr lang="en-US"/>
           </a:p>
@@ -15778,7 +15625,7 @@
           <a:p>
             <a:fld id="{CD72C7F1-0599-445A-9867-780AEDEA7EED}" type="datetimeFigureOut">
               <a:rPr lang="en-US" smtClean="0"/>
-              <a:t>9/22/2021</a:t>
+              <a:t>5/17/2022</a:t>
             </a:fld>
             <a:endParaRPr lang="en-US"/>
           </a:p>
@@ -15984,7 +15831,7 @@
           <a:p>
             <a:fld id="{D088F999-7A4E-6B4F-9FED-EF75B73AD044}" type="datetimeFigureOut">
               <a:rPr lang="en-US" smtClean="0"/>
-              <a:t>9/22/2021</a:t>
+              <a:t>5/17/2022</a:t>
             </a:fld>
             <a:endParaRPr lang="en-US"/>
           </a:p>
@@ -16162,7 +16009,7 @@
           <a:p>
             <a:fld id="{D088F999-7A4E-6B4F-9FED-EF75B73AD044}" type="datetimeFigureOut">
               <a:rPr lang="en-US" smtClean="0"/>
-              <a:t>9/22/2021</a:t>
+              <a:t>5/17/2022</a:t>
             </a:fld>
             <a:endParaRPr lang="en-US"/>
           </a:p>
@@ -16399,7 +16246,7 @@
           <a:p>
             <a:fld id="{CD72C7F1-0599-445A-9867-780AEDEA7EED}" type="datetimeFigureOut">
               <a:rPr lang="en-US" smtClean="0"/>
-              <a:t>9/22/2021</a:t>
+              <a:t>5/17/2022</a:t>
             </a:fld>
             <a:endParaRPr lang="en-US"/>
           </a:p>
@@ -16782,7 +16629,7 @@
           <a:p>
             <a:fld id="{CD72C7F1-0599-445A-9867-780AEDEA7EED}" type="datetimeFigureOut">
               <a:rPr lang="en-US" smtClean="0"/>
-              <a:t>9/22/2021</a:t>
+              <a:t>5/17/2022</a:t>
             </a:fld>
             <a:endParaRPr lang="en-US"/>
           </a:p>
@@ -16900,7 +16747,7 @@
           <a:p>
             <a:fld id="{CD72C7F1-0599-445A-9867-780AEDEA7EED}" type="datetimeFigureOut">
               <a:rPr lang="en-US" smtClean="0"/>
-              <a:t>9/22/2021</a:t>
+              <a:t>5/17/2022</a:t>
             </a:fld>
             <a:endParaRPr lang="en-US"/>
           </a:p>
@@ -17073,7 +16920,7 @@
           <a:p>
             <a:fld id="{CD72C7F1-0599-445A-9867-780AEDEA7EED}" type="datetimeFigureOut">
               <a:rPr lang="en-US" smtClean="0"/>
-              <a:t>9/22/2021</a:t>
+              <a:t>5/17/2022</a:t>
             </a:fld>
             <a:endParaRPr lang="en-US"/>
           </a:p>
@@ -17429,7 +17276,7 @@
           <a:p>
             <a:fld id="{CD72C7F1-0599-445A-9867-780AEDEA7EED}" type="datetimeFigureOut">
               <a:rPr lang="en-US" smtClean="0"/>
-              <a:t>9/22/2021</a:t>
+              <a:t>5/17/2022</a:t>
             </a:fld>
             <a:endParaRPr lang="en-US"/>
           </a:p>
@@ -17777,7 +17624,7 @@
           <a:p>
             <a:fld id="{CD72C7F1-0599-445A-9867-780AEDEA7EED}" type="datetimeFigureOut">
               <a:rPr lang="en-US" smtClean="0"/>
-              <a:t>9/22/2021</a:t>
+              <a:t>5/17/2022</a:t>
             </a:fld>
             <a:endParaRPr lang="en-US"/>
           </a:p>
@@ -18088,7 +17935,7 @@
           <a:p>
             <a:fld id="{CD72C7F1-0599-445A-9867-780AEDEA7EED}" type="datetimeFigureOut">
               <a:rPr lang="en-US" smtClean="0"/>
-              <a:t>9/22/2021</a:t>
+              <a:t>5/17/2022</a:t>
             </a:fld>
             <a:endParaRPr lang="en-US"/>
           </a:p>
@@ -20491,7 +20338,7 @@
           <a:p>
             <a:fld id="{D088F999-7A4E-6B4F-9FED-EF75B73AD044}" type="datetimeFigureOut">
               <a:rPr lang="en-US" smtClean="0"/>
-              <a:t>9/22/2021</a:t>
+              <a:t>5/17/2022</a:t>
             </a:fld>
             <a:endParaRPr lang="en-US"/>
           </a:p>
@@ -20866,622 +20713,130 @@
           <a:chExt cx="0" cy="0"/>
         </a:xfrm>
       </p:grpSpPr>
-      <p:sp>
-        <p:nvSpPr>
-          <p:cNvPr id="4" name="Rectangle 3">
+      <p:pic>
+        <p:nvPicPr>
+          <p:cNvPr id="5" name="Picture 4">
             <a:extLst>
               <a:ext uri="{FF2B5EF4-FFF2-40B4-BE49-F238E27FC236}">
-                <a16:creationId xmlns:a16="http://schemas.microsoft.com/office/drawing/2014/main" id="{2DB7453A-5DFD-6B43-9EF9-B4DB30288921}"/>
+                <a16:creationId xmlns:a16="http://schemas.microsoft.com/office/drawing/2014/main" id="{B946C6F9-B69A-4AE2-B492-CA4DFC744796}"/>
               </a:ext>
             </a:extLst>
           </p:cNvPr>
-          <p:cNvSpPr/>
-          <p:nvPr/>
-        </p:nvSpPr>
-        <p:spPr>
-          <a:xfrm>
-            <a:off x="0" y="4343400"/>
-            <a:ext cx="12192000" cy="2514600"/>
-          </a:xfrm>
-          <a:prstGeom prst="rect">
-            <a:avLst/>
-          </a:prstGeom>
-          <a:solidFill>
-            <a:srgbClr val="403938"/>
-          </a:solidFill>
-          <a:ln>
-            <a:noFill/>
-          </a:ln>
-        </p:spPr>
-        <p:style>
-          <a:lnRef idx="1">
-            <a:schemeClr val="accent1"/>
-          </a:lnRef>
-          <a:fillRef idx="3">
-            <a:schemeClr val="accent1"/>
-          </a:fillRef>
-          <a:effectRef idx="2">
-            <a:schemeClr val="accent1"/>
-          </a:effectRef>
-          <a:fontRef idx="minor">
-            <a:schemeClr val="lt1"/>
-          </a:fontRef>
-        </p:style>
-        <p:txBody>
-          <a:bodyPr rtlCol="0" anchor="ctr"/>
-          <a:lstStyle/>
-          <a:p>
-            <a:pPr algn="ctr" defTabSz="1219170"/>
-            <a:endParaRPr lang="en-US" sz="2400" dirty="0">
-              <a:solidFill>
-                <a:prstClr val="white"/>
-              </a:solidFill>
-              <a:latin typeface="Calibri"/>
-            </a:endParaRPr>
-          </a:p>
-        </p:txBody>
-      </p:sp>
-      <p:sp>
-        <p:nvSpPr>
-          <p:cNvPr id="6" name="Rectangle 5"/>
-          <p:cNvSpPr>
-            <a:spLocks noChangeArrowheads="1"/>
-          </p:cNvSpPr>
-          <p:nvPr/>
-        </p:nvSpPr>
-        <p:spPr bwMode="auto">
-          <a:xfrm>
-            <a:off x="304800" y="4826683"/>
-            <a:ext cx="5317067" cy="1727200"/>
-          </a:xfrm>
-          <a:prstGeom prst="rect">
-            <a:avLst/>
-          </a:prstGeom>
-          <a:noFill/>
-          <a:ln>
-            <a:noFill/>
-          </a:ln>
-          <a:effectLst/>
-          <a:extLst>
-            <a:ext uri="{909E8E84-426E-40DD-AFC4-6F175D3DCCD1}">
-              <a14:hiddenFill xmlns:a14="http://schemas.microsoft.com/office/drawing/2010/main">
-                <a:solidFill>
-                  <a:schemeClr val="accent1"/>
-                </a:solidFill>
-              </a14:hiddenFill>
-            </a:ext>
-            <a:ext uri="{91240B29-F687-4F45-9708-019B960494DF}">
-              <a14:hiddenLine xmlns:a14="http://schemas.microsoft.com/office/drawing/2010/main" w="9525">
-                <a:solidFill>
-                  <a:schemeClr val="tx1"/>
-                </a:solidFill>
-                <a:miter lim="800000"/>
-                <a:headEnd/>
-                <a:tailEnd/>
-              </a14:hiddenLine>
-            </a:ext>
-            <a:ext uri="{AF507438-7753-43E0-B8FC-AC1667EBCBE1}">
-              <a14:hiddenEffects xmlns:a14="http://schemas.microsoft.com/office/drawing/2010/main">
-                <a:effectLst>
-                  <a:outerShdw dist="35921" dir="2700000" algn="ctr" rotWithShape="0">
-                    <a:schemeClr val="bg2"/>
-                  </a:outerShdw>
-                </a:effectLst>
-              </a14:hiddenEffects>
-            </a:ext>
-          </a:extLst>
-        </p:spPr>
-        <p:txBody>
-          <a:bodyPr lIns="114564" tIns="57283" rIns="114564" bIns="57283"/>
-          <a:lstStyle/>
-          <a:p>
-            <a:pPr defTabSz="1219170">
-              <a:defRPr/>
-            </a:pPr>
-            <a:r>
-              <a:rPr lang="en-US" sz="4267" b="1" dirty="0">
-                <a:solidFill>
-                  <a:prstClr val="white"/>
-                </a:solidFill>
-                <a:latin typeface="Arial" charset="0"/>
-              </a:rPr>
-              <a:t>Chris Woodruff</a:t>
-            </a:r>
-            <a:endParaRPr lang="en-US" sz="3733" b="1" dirty="0">
-              <a:solidFill>
-                <a:prstClr val="white"/>
-              </a:solidFill>
-              <a:latin typeface="Arial" charset="0"/>
-            </a:endParaRPr>
-          </a:p>
-          <a:p>
-            <a:pPr defTabSz="1219170">
-              <a:defRPr/>
-            </a:pPr>
-            <a:r>
-              <a:rPr lang="en-US" sz="3200" b="1" dirty="0" err="1">
-                <a:solidFill>
-                  <a:prstClr val="white"/>
-                </a:solidFill>
-                <a:latin typeface="Arial" charset="0"/>
-              </a:rPr>
-              <a:t>LearningAbout.Dev</a:t>
-            </a:r>
-            <a:endParaRPr lang="en-US" sz="3200" b="1" dirty="0">
-              <a:solidFill>
-                <a:prstClr val="white"/>
-              </a:solidFill>
-              <a:latin typeface="Arial" charset="0"/>
-            </a:endParaRPr>
-          </a:p>
-          <a:p>
-            <a:pPr defTabSz="1219170">
-              <a:defRPr/>
-            </a:pPr>
-            <a:endParaRPr lang="en-US" sz="2400" b="1" dirty="0">
-              <a:solidFill>
-                <a:prstClr val="white"/>
-              </a:solidFill>
-              <a:latin typeface="Arial" charset="0"/>
-            </a:endParaRPr>
-          </a:p>
-          <a:p>
-            <a:pPr defTabSz="1219170">
-              <a:defRPr/>
-            </a:pPr>
-            <a:endParaRPr lang="en-US" sz="1867" dirty="0">
-              <a:solidFill>
-                <a:prstClr val="white"/>
-              </a:solidFill>
-              <a:latin typeface="Times New Roman" pitchFamily="28" charset="0"/>
-            </a:endParaRPr>
-          </a:p>
-        </p:txBody>
-      </p:sp>
-      <p:sp>
-        <p:nvSpPr>
-          <p:cNvPr id="7" name="Text Box 7"/>
-          <p:cNvSpPr txBox="1">
-            <a:spLocks noChangeArrowheads="1"/>
-          </p:cNvSpPr>
-          <p:nvPr/>
-        </p:nvSpPr>
-        <p:spPr bwMode="auto">
-          <a:xfrm>
-            <a:off x="7924801" y="4824276"/>
-            <a:ext cx="4889497" cy="830997"/>
-          </a:xfrm>
-          <a:prstGeom prst="rect">
-            <a:avLst/>
-          </a:prstGeom>
-          <a:noFill/>
-          <a:ln>
-            <a:noFill/>
-          </a:ln>
-          <a:effectLst/>
-          <a:extLst>
-            <a:ext uri="{909E8E84-426E-40DD-AFC4-6F175D3DCCD1}">
-              <a14:hiddenFill xmlns:a14="http://schemas.microsoft.com/office/drawing/2010/main">
-                <a:solidFill>
-                  <a:schemeClr val="accent1"/>
-                </a:solidFill>
-              </a14:hiddenFill>
-            </a:ext>
-            <a:ext uri="{91240B29-F687-4F45-9708-019B960494DF}">
-              <a14:hiddenLine xmlns:a14="http://schemas.microsoft.com/office/drawing/2010/main" w="9525" algn="ctr">
-                <a:solidFill>
-                  <a:schemeClr val="tx1"/>
-                </a:solidFill>
-                <a:miter lim="800000"/>
-                <a:headEnd/>
-                <a:tailEnd/>
-              </a14:hiddenLine>
-            </a:ext>
-            <a:ext uri="{AF507438-7753-43E0-B8FC-AC1667EBCBE1}">
-              <a14:hiddenEffects xmlns:a14="http://schemas.microsoft.com/office/drawing/2010/main">
-                <a:effectLst>
-                  <a:outerShdw dist="35921" dir="2700000" algn="ctr" rotWithShape="0">
-                    <a:schemeClr val="bg2"/>
-                  </a:outerShdw>
-                </a:effectLst>
-              </a14:hiddenEffects>
-            </a:ext>
-          </a:extLst>
-        </p:spPr>
-        <p:txBody>
-          <a:bodyPr wrap="square">
-            <a:spAutoFit/>
-          </a:bodyPr>
-          <a:lstStyle>
-            <a:lvl1pPr>
-              <a:defRPr sz="1600">
-                <a:solidFill>
-                  <a:schemeClr val="tx1"/>
-                </a:solidFill>
-                <a:latin typeface="Lucida Console" pitchFamily="49" charset="0"/>
-                <a:cs typeface="Arial" charset="0"/>
-              </a:defRPr>
-            </a:lvl1pPr>
-            <a:lvl2pPr marL="742950" indent="-285750">
-              <a:defRPr sz="1600">
-                <a:solidFill>
-                  <a:schemeClr val="tx1"/>
-                </a:solidFill>
-                <a:latin typeface="Lucida Console" pitchFamily="49" charset="0"/>
-                <a:cs typeface="Arial" charset="0"/>
-              </a:defRPr>
-            </a:lvl2pPr>
-            <a:lvl3pPr marL="1143000" indent="-228600">
-              <a:defRPr sz="1600">
-                <a:solidFill>
-                  <a:schemeClr val="tx1"/>
-                </a:solidFill>
-                <a:latin typeface="Lucida Console" pitchFamily="49" charset="0"/>
-                <a:cs typeface="Arial" charset="0"/>
-              </a:defRPr>
-            </a:lvl3pPr>
-            <a:lvl4pPr marL="1600200" indent="-228600">
-              <a:defRPr sz="1600">
-                <a:solidFill>
-                  <a:schemeClr val="tx1"/>
-                </a:solidFill>
-                <a:latin typeface="Lucida Console" pitchFamily="49" charset="0"/>
-                <a:cs typeface="Arial" charset="0"/>
-              </a:defRPr>
-            </a:lvl4pPr>
-            <a:lvl5pPr marL="2057400" indent="-228600">
-              <a:defRPr sz="1600">
-                <a:solidFill>
-                  <a:schemeClr val="tx1"/>
-                </a:solidFill>
-                <a:latin typeface="Lucida Console" pitchFamily="49" charset="0"/>
-                <a:cs typeface="Arial" charset="0"/>
-              </a:defRPr>
-            </a:lvl5pPr>
-            <a:lvl6pPr marL="2514600" indent="-228600" eaLnBrk="0" fontAlgn="base" hangingPunct="0">
-              <a:spcBef>
-                <a:spcPct val="0"/>
-              </a:spcBef>
-              <a:spcAft>
-                <a:spcPct val="0"/>
-              </a:spcAft>
-              <a:defRPr sz="1600">
-                <a:solidFill>
-                  <a:schemeClr val="tx1"/>
-                </a:solidFill>
-                <a:latin typeface="Lucida Console" pitchFamily="49" charset="0"/>
-                <a:cs typeface="Arial" charset="0"/>
-              </a:defRPr>
-            </a:lvl6pPr>
-            <a:lvl7pPr marL="2971800" indent="-228600" eaLnBrk="0" fontAlgn="base" hangingPunct="0">
-              <a:spcBef>
-                <a:spcPct val="0"/>
-              </a:spcBef>
-              <a:spcAft>
-                <a:spcPct val="0"/>
-              </a:spcAft>
-              <a:defRPr sz="1600">
-                <a:solidFill>
-                  <a:schemeClr val="tx1"/>
-                </a:solidFill>
-                <a:latin typeface="Lucida Console" pitchFamily="49" charset="0"/>
-                <a:cs typeface="Arial" charset="0"/>
-              </a:defRPr>
-            </a:lvl7pPr>
-            <a:lvl8pPr marL="3429000" indent="-228600" eaLnBrk="0" fontAlgn="base" hangingPunct="0">
-              <a:spcBef>
-                <a:spcPct val="0"/>
-              </a:spcBef>
-              <a:spcAft>
-                <a:spcPct val="0"/>
-              </a:spcAft>
-              <a:defRPr sz="1600">
-                <a:solidFill>
-                  <a:schemeClr val="tx1"/>
-                </a:solidFill>
-                <a:latin typeface="Lucida Console" pitchFamily="49" charset="0"/>
-                <a:cs typeface="Arial" charset="0"/>
-              </a:defRPr>
-            </a:lvl8pPr>
-            <a:lvl9pPr marL="3886200" indent="-228600" eaLnBrk="0" fontAlgn="base" hangingPunct="0">
-              <a:spcBef>
-                <a:spcPct val="0"/>
-              </a:spcBef>
-              <a:spcAft>
-                <a:spcPct val="0"/>
-              </a:spcAft>
-              <a:defRPr sz="1600">
-                <a:solidFill>
-                  <a:schemeClr val="tx1"/>
-                </a:solidFill>
-                <a:latin typeface="Lucida Console" pitchFamily="49" charset="0"/>
-                <a:cs typeface="Arial" charset="0"/>
-              </a:defRPr>
-            </a:lvl9pPr>
-          </a:lstStyle>
-          <a:p>
-            <a:pPr defTabSz="1219170"/>
-            <a:r>
-              <a:rPr lang="en-US" sz="2667" dirty="0">
-                <a:solidFill>
-                  <a:prstClr val="white"/>
-                </a:solidFill>
-                <a:latin typeface="Arial" charset="0"/>
-              </a:rPr>
-              <a:t>Level: Intermediate, etc.</a:t>
-            </a:r>
-          </a:p>
-          <a:p>
-            <a:pPr defTabSz="1219170"/>
-            <a:endParaRPr lang="en-US" sz="2133" b="1" dirty="0">
-              <a:solidFill>
-                <a:prstClr val="white"/>
-              </a:solidFill>
-              <a:latin typeface="Arial" charset="0"/>
-            </a:endParaRPr>
-          </a:p>
-        </p:txBody>
-      </p:sp>
-      <p:pic>
-        <p:nvPicPr>
-          <p:cNvPr id="2" name="Picture 1"/>
           <p:cNvPicPr>
             <a:picLocks noChangeAspect="1"/>
           </p:cNvPicPr>
           <p:nvPr/>
         </p:nvPicPr>
-        <p:blipFill>
-          <a:blip r:embed="rId3">
-            <a:extLst>
-              <a:ext uri="{28A0092B-C50C-407E-A947-70E740481C1C}">
-                <a14:useLocalDpi xmlns:a14="http://schemas.microsoft.com/office/drawing/2010/main" val="0"/>
-              </a:ext>
-            </a:extLst>
+        <p:blipFill rotWithShape="1">
+          <a:blip r:embed="rId2">
+            <a:duotone>
+              <a:prstClr val="black"/>
+              <a:schemeClr val="tx2">
+                <a:tint val="45000"/>
+                <a:satMod val="400000"/>
+              </a:schemeClr>
+            </a:duotone>
+            <a:alphaModFix amt="40000"/>
           </a:blip>
-          <a:stretch>
-            <a:fillRect/>
-          </a:stretch>
+          <a:srcRect t="29687"/>
+          <a:stretch/>
         </p:blipFill>
         <p:spPr>
           <a:xfrm>
-            <a:off x="0" y="-17379"/>
-            <a:ext cx="12192000" cy="4665579"/>
+            <a:off x="20" y="10"/>
+            <a:ext cx="12191980" cy="6857991"/>
           </a:xfrm>
           <a:prstGeom prst="rect">
             <a:avLst/>
           </a:prstGeom>
         </p:spPr>
       </p:pic>
+      <p:sp>
+        <p:nvSpPr>
+          <p:cNvPr id="2" name="Title 1">
+            <a:extLst>
+              <a:ext uri="{FF2B5EF4-FFF2-40B4-BE49-F238E27FC236}">
+                <a16:creationId xmlns:a16="http://schemas.microsoft.com/office/drawing/2014/main" id="{A4269162-A3AB-4D38-8019-28F15533A268}"/>
+              </a:ext>
+            </a:extLst>
+          </p:cNvPr>
+          <p:cNvSpPr>
+            <a:spLocks noGrp="1"/>
+          </p:cNvSpPr>
+          <p:nvPr>
+            <p:ph type="ctrTitle"/>
+          </p:nvPr>
+        </p:nvSpPr>
+        <p:spPr/>
+        <p:txBody>
+          <a:bodyPr>
+            <a:normAutofit/>
+          </a:bodyPr>
+          <a:lstStyle/>
+          <a:p>
+            <a:r>
+              <a:rPr lang="en-US" dirty="0"/>
+              <a:t>Designing the NTier API</a:t>
+            </a:r>
+          </a:p>
+        </p:txBody>
+      </p:sp>
+      <p:sp>
+        <p:nvSpPr>
+          <p:cNvPr id="3" name="Subtitle 2">
+            <a:extLst>
+              <a:ext uri="{FF2B5EF4-FFF2-40B4-BE49-F238E27FC236}">
+                <a16:creationId xmlns:a16="http://schemas.microsoft.com/office/drawing/2014/main" id="{3C055530-7E06-4073-BB91-4644696C37BF}"/>
+              </a:ext>
+            </a:extLst>
+          </p:cNvPr>
+          <p:cNvSpPr>
+            <a:spLocks noGrp="1"/>
+          </p:cNvSpPr>
+          <p:nvPr>
+            <p:ph type="subTitle" idx="1"/>
+          </p:nvPr>
+        </p:nvSpPr>
+        <p:spPr/>
+        <p:txBody>
+          <a:bodyPr>
+            <a:normAutofit/>
+          </a:bodyPr>
+          <a:lstStyle/>
+          <a:p>
+            <a:r>
+              <a:rPr lang="en-US" b="0" i="0" dirty="0">
+                <a:solidFill>
+                  <a:srgbClr val="FFFFFF"/>
+                </a:solidFill>
+                <a:effectLst/>
+                <a:latin typeface="Roboto" panose="02000000000000000000" pitchFamily="2" charset="0"/>
+              </a:rPr>
+              <a:t>Learn to Produce Effective</a:t>
+            </a:r>
+            <a:br>
+              <a:rPr lang="en-US" dirty="0"/>
+            </a:br>
+            <a:r>
+              <a:rPr lang="en-US" b="0" i="0" dirty="0">
+                <a:solidFill>
+                  <a:srgbClr val="FFFFFF"/>
+                </a:solidFill>
+                <a:effectLst/>
+                <a:latin typeface="Roboto" panose="02000000000000000000" pitchFamily="2" charset="0"/>
+              </a:rPr>
+              <a:t>Web APIs with ASP.NET 6</a:t>
+            </a:r>
+            <a:endParaRPr lang="en-US" dirty="0"/>
+          </a:p>
+        </p:txBody>
+      </p:sp>
     </p:spTree>
     <p:extLst>
       <p:ext uri="{BB962C8B-B14F-4D97-AF65-F5344CB8AC3E}">
-        <p14:creationId xmlns:p14="http://schemas.microsoft.com/office/powerpoint/2010/main" val="2262221644"/>
+        <p14:creationId xmlns:p14="http://schemas.microsoft.com/office/powerpoint/2010/main" val="690398364"/>
       </p:ext>
     </p:extLst>
-  </p:cSld>
-  <p:clrMapOvr>
-    <a:masterClrMapping/>
-  </p:clrMapOvr>
-  <p:transition spd="slow"/>
-</p:sld>
-</file>
-
-<file path=ppt/slides/slide10.xml><?xml version="1.0" encoding="utf-8"?>
-<p:sld xmlns:a="http://schemas.openxmlformats.org/drawingml/2006/main" xmlns:r="http://schemas.openxmlformats.org/officeDocument/2006/relationships" xmlns:p="http://schemas.openxmlformats.org/presentationml/2006/main">
-  <p:cSld>
-    <p:spTree>
-      <p:nvGrpSpPr>
-        <p:cNvPr id="1" name="Shape 224"/>
-        <p:cNvGrpSpPr/>
-        <p:nvPr/>
-      </p:nvGrpSpPr>
-      <p:grpSpPr>
-        <a:xfrm>
-          <a:off x="0" y="0"/>
-          <a:ext cx="0" cy="0"/>
-          <a:chOff x="0" y="0"/>
-          <a:chExt cx="0" cy="0"/>
-        </a:xfrm>
-      </p:grpSpPr>
-      <p:sp>
-        <p:nvSpPr>
-          <p:cNvPr id="225" name="Google Shape;225;p32"/>
-          <p:cNvSpPr txBox="1">
-            <a:spLocks noGrp="1"/>
-          </p:cNvSpPr>
-          <p:nvPr>
-            <p:ph type="title"/>
-          </p:nvPr>
-        </p:nvSpPr>
-        <p:spPr>
-          <a:xfrm>
-            <a:off x="657224" y="499533"/>
-            <a:ext cx="10772775" cy="1658198"/>
-          </a:xfrm>
-          <a:prstGeom prst="rect">
-            <a:avLst/>
-          </a:prstGeom>
-          <a:noFill/>
-          <a:ln>
-            <a:noFill/>
-          </a:ln>
-        </p:spPr>
-        <p:txBody>
-          <a:bodyPr spcFirstLastPara="1" wrap="square" lIns="91425" tIns="45700" rIns="91425" bIns="45700" anchor="ctr" anchorCtr="0">
-            <a:noAutofit/>
-          </a:bodyPr>
-          <a:lstStyle/>
-          <a:p>
-            <a:pPr marL="0" marR="0" lvl="0" indent="0" algn="l" rtl="0">
-              <a:lnSpc>
-                <a:spcPct val="85000"/>
-              </a:lnSpc>
-              <a:spcBef>
-                <a:spcPts val="0"/>
-              </a:spcBef>
-              <a:spcAft>
-                <a:spcPts val="0"/>
-              </a:spcAft>
-              <a:buClr>
-                <a:schemeClr val="accent1"/>
-              </a:buClr>
-              <a:buSzPts val="5400"/>
-              <a:buFont typeface="Calibri"/>
-              <a:buNone/>
-            </a:pPr>
-            <a:r>
-              <a:rPr lang="en-US" sz="5400" b="0" i="0" u="none" strike="noStrike" cap="none">
-                <a:solidFill>
-                  <a:schemeClr val="accent1"/>
-                </a:solidFill>
-                <a:latin typeface="Calibri"/>
-                <a:ea typeface="Calibri"/>
-                <a:cs typeface="Calibri"/>
-                <a:sym typeface="Calibri"/>
-              </a:rPr>
-              <a:t>Domain Layer</a:t>
-            </a:r>
-            <a:endParaRPr/>
-          </a:p>
-        </p:txBody>
-      </p:sp>
-      <p:sp>
-        <p:nvSpPr>
-          <p:cNvPr id="226" name="Google Shape;226;p32"/>
-          <p:cNvSpPr txBox="1">
-            <a:spLocks noGrp="1"/>
-          </p:cNvSpPr>
-          <p:nvPr>
-            <p:ph type="body" idx="1"/>
-          </p:nvPr>
-        </p:nvSpPr>
-        <p:spPr>
-          <a:xfrm>
-            <a:off x="676657" y="2011680"/>
-            <a:ext cx="5419344" cy="3766185"/>
-          </a:xfrm>
-          <a:prstGeom prst="rect">
-            <a:avLst/>
-          </a:prstGeom>
-          <a:noFill/>
-          <a:ln>
-            <a:noFill/>
-          </a:ln>
-        </p:spPr>
-        <p:txBody>
-          <a:bodyPr spcFirstLastPara="1" wrap="square" lIns="91425" tIns="45700" rIns="91425" bIns="45700" anchor="t" anchorCtr="0">
-            <a:noAutofit/>
-          </a:bodyPr>
-          <a:lstStyle/>
-          <a:p>
-            <a:pPr marL="0" marR="0" lvl="0" indent="0" algn="l" rtl="0">
-              <a:lnSpc>
-                <a:spcPct val="85000"/>
-              </a:lnSpc>
-              <a:spcBef>
-                <a:spcPts val="0"/>
-              </a:spcBef>
-              <a:spcAft>
-                <a:spcPts val="0"/>
-              </a:spcAft>
-              <a:buClr>
-                <a:srgbClr val="262626"/>
-              </a:buClr>
-              <a:buSzPts val="3600"/>
-              <a:buNone/>
-            </a:pPr>
-            <a:r>
-              <a:rPr lang="en-US" sz="3600" b="0" i="0" u="none" strike="noStrike" cap="none" dirty="0">
-                <a:solidFill>
-                  <a:srgbClr val="262626"/>
-                </a:solidFill>
-                <a:latin typeface="Calibri"/>
-                <a:ea typeface="Calibri"/>
-                <a:cs typeface="Calibri"/>
-                <a:sym typeface="Calibri"/>
-              </a:rPr>
-              <a:t>Allows me to use Dependency Injection for Repositories</a:t>
-            </a:r>
-            <a:endParaRPr sz="3600" dirty="0"/>
-          </a:p>
-          <a:p>
-            <a:pPr marL="91440" marR="0" lvl="0" indent="0" algn="l" rtl="0">
-              <a:lnSpc>
-                <a:spcPct val="85000"/>
-              </a:lnSpc>
-              <a:spcBef>
-                <a:spcPts val="1300"/>
-              </a:spcBef>
-              <a:spcAft>
-                <a:spcPts val="0"/>
-              </a:spcAft>
-              <a:buClr>
-                <a:srgbClr val="262626"/>
-              </a:buClr>
-              <a:buSzPts val="2400"/>
-              <a:buFont typeface="Arial"/>
-              <a:buNone/>
-            </a:pPr>
-            <a:endParaRPr sz="2400" b="0" i="0" u="none" strike="noStrike" cap="none" dirty="0">
-              <a:solidFill>
-                <a:srgbClr val="262626"/>
-              </a:solidFill>
-              <a:latin typeface="Calibri"/>
-              <a:ea typeface="Calibri"/>
-              <a:cs typeface="Calibri"/>
-              <a:sym typeface="Calibri"/>
-            </a:endParaRPr>
-          </a:p>
-        </p:txBody>
-      </p:sp>
-      <p:pic>
-        <p:nvPicPr>
-          <p:cNvPr id="3074" name="Picture 2" descr="See the source image">
-            <a:extLst>
-              <a:ext uri="{FF2B5EF4-FFF2-40B4-BE49-F238E27FC236}">
-                <a16:creationId xmlns:a16="http://schemas.microsoft.com/office/drawing/2014/main" id="{D3A284DA-BDD5-495A-9803-E85860EFE3B2}"/>
-              </a:ext>
-            </a:extLst>
-          </p:cNvPr>
-          <p:cNvPicPr>
-            <a:picLocks noChangeAspect="1" noChangeArrowheads="1"/>
-          </p:cNvPicPr>
-          <p:nvPr/>
-        </p:nvPicPr>
-        <p:blipFill>
-          <a:blip r:embed="rId3">
-            <a:extLst>
-              <a:ext uri="{28A0092B-C50C-407E-A947-70E740481C1C}">
-                <a14:useLocalDpi xmlns:a14="http://schemas.microsoft.com/office/drawing/2010/main" val="0"/>
-              </a:ext>
-            </a:extLst>
-          </a:blip>
-          <a:srcRect/>
-          <a:stretch>
-            <a:fillRect/>
-          </a:stretch>
-        </p:blipFill>
-        <p:spPr bwMode="auto">
-          <a:xfrm>
-            <a:off x="6096000" y="1190929"/>
-            <a:ext cx="5926470" cy="4476141"/>
-          </a:xfrm>
-          <a:prstGeom prst="rect">
-            <a:avLst/>
-          </a:prstGeom>
-          <a:noFill/>
-          <a:extLst>
-            <a:ext uri="{909E8E84-426E-40DD-AFC4-6F175D3DCCD1}">
-              <a14:hiddenFill xmlns:a14="http://schemas.microsoft.com/office/drawing/2010/main">
-                <a:solidFill>
-                  <a:srgbClr val="FFFFFF"/>
-                </a:solidFill>
-              </a14:hiddenFill>
-            </a:ext>
-          </a:extLst>
-        </p:spPr>
-      </p:pic>
-    </p:spTree>
   </p:cSld>
   <p:clrMapOvr>
     <a:masterClrMapping/>
@@ -21489,7 +20844,7 @@
 </p:sld>
 </file>
 
-<file path=ppt/slides/slide11.xml><?xml version="1.0" encoding="utf-8"?>
+<file path=ppt/slides/slide10.xml><?xml version="1.0" encoding="utf-8"?>
 <p:sld xmlns:a="http://schemas.openxmlformats.org/drawingml/2006/main" xmlns:r="http://schemas.openxmlformats.org/officeDocument/2006/relationships" xmlns:p="http://schemas.openxmlformats.org/presentationml/2006/main">
   <p:cSld>
     <p:spTree>
@@ -21689,7 +21044,7 @@
 </p:sld>
 </file>
 
-<file path=ppt/slides/slide12.xml><?xml version="1.0" encoding="utf-8"?>
+<file path=ppt/slides/slide11.xml><?xml version="1.0" encoding="utf-8"?>
 <p:sld xmlns:a="http://schemas.openxmlformats.org/drawingml/2006/main" xmlns:r="http://schemas.openxmlformats.org/officeDocument/2006/relationships" xmlns:p="http://schemas.openxmlformats.org/presentationml/2006/main">
   <p:cSld>
     <p:spTree>
@@ -21882,7 +21237,7 @@
 </p:sld>
 </file>
 
-<file path=ppt/slides/slide13.xml><?xml version="1.0" encoding="utf-8"?>
+<file path=ppt/slides/slide12.xml><?xml version="1.0" encoding="utf-8"?>
 <p:sld xmlns:a="http://schemas.openxmlformats.org/drawingml/2006/main" xmlns:r="http://schemas.openxmlformats.org/officeDocument/2006/relationships" xmlns:p="http://schemas.openxmlformats.org/presentationml/2006/main">
   <p:cSld>
     <p:spTree>
@@ -22105,7 +21460,7 @@
 </p:sld>
 </file>
 
-<file path=ppt/slides/slide14.xml><?xml version="1.0" encoding="utf-8"?>
+<file path=ppt/slides/slide13.xml><?xml version="1.0" encoding="utf-8"?>
 <p:sld xmlns:a="http://schemas.openxmlformats.org/drawingml/2006/main" xmlns:r="http://schemas.openxmlformats.org/officeDocument/2006/relationships" xmlns:p="http://schemas.openxmlformats.org/presentationml/2006/main">
   <p:cSld>
     <p:spTree>
@@ -22328,7 +21683,7 @@
 </p:sld>
 </file>
 
-<file path=ppt/slides/slide15.xml><?xml version="1.0" encoding="utf-8"?>
+<file path=ppt/slides/slide14.xml><?xml version="1.0" encoding="utf-8"?>
 <p:sld xmlns:a="http://schemas.openxmlformats.org/drawingml/2006/main" xmlns:r="http://schemas.openxmlformats.org/officeDocument/2006/relationships" xmlns:p="http://schemas.openxmlformats.org/presentationml/2006/main">
   <p:cSld>
     <p:spTree>
@@ -22462,7 +21817,7 @@
                 <a:cs typeface="Calibri"/>
                 <a:sym typeface="Calibri"/>
               </a:rPr>
-              <a:t>I use Entity Framework Core but I can use anything that is .NET Standard 2.0</a:t>
+              <a:t>I use Entity Framework Core 6 but I can use anything that is .NET Standard 2.0</a:t>
             </a:r>
             <a:endParaRPr sz="3600" dirty="0"/>
           </a:p>
@@ -22551,7 +21906,7 @@
 </p:sld>
 </file>
 
-<file path=ppt/slides/slide16.xml><?xml version="1.0" encoding="utf-8"?>
+<file path=ppt/slides/slide15.xml><?xml version="1.0" encoding="utf-8"?>
 <p:sld xmlns:a="http://schemas.openxmlformats.org/drawingml/2006/main" xmlns:r="http://schemas.openxmlformats.org/officeDocument/2006/relationships" xmlns:p="http://schemas.openxmlformats.org/presentationml/2006/main">
   <p:cSld>
     <p:spTree>
@@ -22775,162 +22130,6 @@
 </file>
 
 <file path=ppt/slides/slide2.xml><?xml version="1.0" encoding="utf-8"?>
-<p:sld xmlns:a="http://schemas.openxmlformats.org/drawingml/2006/main" xmlns:r="http://schemas.openxmlformats.org/officeDocument/2006/relationships" xmlns:p="http://schemas.openxmlformats.org/presentationml/2006/main">
-  <p:cSld>
-    <p:spTree>
-      <p:nvGrpSpPr>
-        <p:cNvPr id="1" name=""/>
-        <p:cNvGrpSpPr/>
-        <p:nvPr/>
-      </p:nvGrpSpPr>
-      <p:grpSpPr>
-        <a:xfrm>
-          <a:off x="0" y="0"/>
-          <a:ext cx="0" cy="0"/>
-          <a:chOff x="0" y="0"/>
-          <a:chExt cx="0" cy="0"/>
-        </a:xfrm>
-      </p:grpSpPr>
-      <p:pic>
-        <p:nvPicPr>
-          <p:cNvPr id="5" name="Picture 4">
-            <a:extLst>
-              <a:ext uri="{FF2B5EF4-FFF2-40B4-BE49-F238E27FC236}">
-                <a16:creationId xmlns:a16="http://schemas.microsoft.com/office/drawing/2014/main" id="{B946C6F9-B69A-4AE2-B492-CA4DFC744796}"/>
-              </a:ext>
-            </a:extLst>
-          </p:cNvPr>
-          <p:cNvPicPr>
-            <a:picLocks noChangeAspect="1"/>
-          </p:cNvPicPr>
-          <p:nvPr/>
-        </p:nvPicPr>
-        <p:blipFill rotWithShape="1">
-          <a:blip r:embed="rId2">
-            <a:duotone>
-              <a:prstClr val="black"/>
-              <a:schemeClr val="tx2">
-                <a:tint val="45000"/>
-                <a:satMod val="400000"/>
-              </a:schemeClr>
-            </a:duotone>
-            <a:alphaModFix amt="40000"/>
-          </a:blip>
-          <a:srcRect t="29687"/>
-          <a:stretch/>
-        </p:blipFill>
-        <p:spPr>
-          <a:xfrm>
-            <a:off x="20" y="10"/>
-            <a:ext cx="12191980" cy="6857991"/>
-          </a:xfrm>
-          <a:prstGeom prst="rect">
-            <a:avLst/>
-          </a:prstGeom>
-        </p:spPr>
-      </p:pic>
-      <p:sp>
-        <p:nvSpPr>
-          <p:cNvPr id="2" name="Title 1">
-            <a:extLst>
-              <a:ext uri="{FF2B5EF4-FFF2-40B4-BE49-F238E27FC236}">
-                <a16:creationId xmlns:a16="http://schemas.microsoft.com/office/drawing/2014/main" id="{A4269162-A3AB-4D38-8019-28F15533A268}"/>
-              </a:ext>
-            </a:extLst>
-          </p:cNvPr>
-          <p:cNvSpPr>
-            <a:spLocks noGrp="1"/>
-          </p:cNvSpPr>
-          <p:nvPr>
-            <p:ph type="ctrTitle"/>
-          </p:nvPr>
-        </p:nvSpPr>
-        <p:spPr/>
-        <p:txBody>
-          <a:bodyPr>
-            <a:normAutofit/>
-          </a:bodyPr>
-          <a:lstStyle/>
-          <a:p>
-            <a:r>
-              <a:rPr lang="en-US" dirty="0"/>
-              <a:t>Designing the NTier API</a:t>
-            </a:r>
-          </a:p>
-        </p:txBody>
-      </p:sp>
-      <p:sp>
-        <p:nvSpPr>
-          <p:cNvPr id="3" name="Subtitle 2">
-            <a:extLst>
-              <a:ext uri="{FF2B5EF4-FFF2-40B4-BE49-F238E27FC236}">
-                <a16:creationId xmlns:a16="http://schemas.microsoft.com/office/drawing/2014/main" id="{3C055530-7E06-4073-BB91-4644696C37BF}"/>
-              </a:ext>
-            </a:extLst>
-          </p:cNvPr>
-          <p:cNvSpPr>
-            <a:spLocks noGrp="1"/>
-          </p:cNvSpPr>
-          <p:nvPr>
-            <p:ph type="subTitle" idx="1"/>
-          </p:nvPr>
-        </p:nvSpPr>
-        <p:spPr/>
-        <p:txBody>
-          <a:bodyPr>
-            <a:normAutofit/>
-          </a:bodyPr>
-          <a:lstStyle/>
-          <a:p>
-            <a:r>
-              <a:rPr lang="en-US" b="0" i="0" dirty="0">
-                <a:solidFill>
-                  <a:schemeClr val="tx1"/>
-                </a:solidFill>
-                <a:effectLst/>
-                <a:latin typeface="Roboto" panose="02000000000000000000" pitchFamily="2" charset="0"/>
-              </a:rPr>
-              <a:t>Learn to Produce Effective</a:t>
-            </a:r>
-            <a:br>
-              <a:rPr lang="en-US" dirty="0">
-                <a:solidFill>
-                  <a:schemeClr val="tx1"/>
-                </a:solidFill>
-              </a:rPr>
-            </a:br>
-            <a:r>
-              <a:rPr lang="en-US" b="0" i="0" dirty="0">
-                <a:solidFill>
-                  <a:schemeClr val="tx1"/>
-                </a:solidFill>
-                <a:effectLst/>
-                <a:latin typeface="Roboto" panose="02000000000000000000" pitchFamily="2" charset="0"/>
-              </a:rPr>
-              <a:t>Web APIs with ASP.NET 5</a:t>
-            </a:r>
-            <a:endParaRPr lang="en-US" dirty="0">
-              <a:solidFill>
-                <a:schemeClr val="tx1"/>
-              </a:solidFill>
-            </a:endParaRPr>
-          </a:p>
-        </p:txBody>
-      </p:sp>
-    </p:spTree>
-    <p:extLst>
-      <p:ext uri="{BB962C8B-B14F-4D97-AF65-F5344CB8AC3E}">
-        <p14:creationId xmlns:p14="http://schemas.microsoft.com/office/powerpoint/2010/main" val="690398364"/>
-      </p:ext>
-    </p:extLst>
-  </p:cSld>
-  <p:clrMapOvr>
-    <a:masterClrMapping/>
-  </p:clrMapOvr>
-</p:sld>
-</file>
-
-<file path=ppt/slides/slide3.xml><?xml version="1.0" encoding="utf-8"?>
 <p:sld xmlns:a="http://schemas.openxmlformats.org/drawingml/2006/main" xmlns:r="http://schemas.openxmlformats.org/officeDocument/2006/relationships" xmlns:p="http://schemas.openxmlformats.org/presentationml/2006/main">
   <p:cSld>
     <p:bg>
@@ -23840,7 +23039,7 @@
 </p:sld>
 </file>
 
-<file path=ppt/slides/slide4.xml><?xml version="1.0" encoding="utf-8"?>
+<file path=ppt/slides/slide3.xml><?xml version="1.0" encoding="utf-8"?>
 <p:sld xmlns:a="http://schemas.openxmlformats.org/drawingml/2006/main" xmlns:r="http://schemas.openxmlformats.org/officeDocument/2006/relationships" xmlns:p="http://schemas.openxmlformats.org/presentationml/2006/main">
   <p:cSld>
     <p:spTree>
@@ -24032,7 +23231,7 @@
 </p:sld>
 </file>
 
-<file path=ppt/slides/slide5.xml><?xml version="1.0" encoding="utf-8"?>
+<file path=ppt/slides/slide4.xml><?xml version="1.0" encoding="utf-8"?>
 <p:sld xmlns:a="http://schemas.openxmlformats.org/drawingml/2006/main" xmlns:r="http://schemas.openxmlformats.org/officeDocument/2006/relationships" xmlns:p="http://schemas.openxmlformats.org/presentationml/2006/main">
   <p:cSld>
     <p:spTree>
@@ -24255,7 +23454,7 @@
 </p:sld>
 </file>
 
-<file path=ppt/slides/slide6.xml><?xml version="1.0" encoding="utf-8"?>
+<file path=ppt/slides/slide5.xml><?xml version="1.0" encoding="utf-8"?>
 <p:sld xmlns:a="http://schemas.openxmlformats.org/drawingml/2006/main" xmlns:r="http://schemas.openxmlformats.org/officeDocument/2006/relationships" xmlns:p="http://schemas.openxmlformats.org/presentationml/2006/main">
   <p:cSld>
     <p:spTree>
@@ -24392,11 +23591,11 @@
               <a:t>Should interact with consumers with </a:t>
             </a:r>
             <a:r>
-              <a:rPr lang="en-US" sz="3600" dirty="0" err="1"/>
+              <a:rPr lang="en-US" sz="3600" dirty="0"/>
               <a:t>Api</a:t>
             </a:r>
             <a:r>
-              <a:rPr lang="en-US" sz="3600" b="0" i="0" u="none" strike="noStrike" cap="none" dirty="0" err="1">
+              <a:rPr lang="en-US" sz="3600" b="0" i="0" u="none" strike="noStrike" cap="none" dirty="0">
                 <a:solidFill>
                   <a:srgbClr val="262626"/>
                 </a:solidFill>
@@ -24405,19 +23604,7 @@
                 <a:cs typeface="Calibri"/>
                 <a:sym typeface="Calibri"/>
               </a:rPr>
-              <a:t>Models</a:t>
-            </a:r>
-            <a:r>
-              <a:rPr lang="en-US" sz="3600" b="0" i="0" u="none" strike="noStrike" cap="none" dirty="0">
-                <a:solidFill>
-                  <a:srgbClr val="262626"/>
-                </a:solidFill>
-                <a:latin typeface="Calibri"/>
-                <a:ea typeface="Calibri"/>
-                <a:cs typeface="Calibri"/>
-                <a:sym typeface="Calibri"/>
-              </a:rPr>
-              <a:t> to ensure the greatest flexibility</a:t>
+              <a:t>Models to ensure the greatest flexibility</a:t>
             </a:r>
             <a:endParaRPr sz="3600" dirty="0"/>
           </a:p>
@@ -24506,7 +23693,7 @@
 </p:sld>
 </file>
 
-<file path=ppt/slides/slide7.xml><?xml version="1.0" encoding="utf-8"?>
+<file path=ppt/slides/slide6.xml><?xml version="1.0" encoding="utf-8"?>
 <p:sld xmlns:a="http://schemas.openxmlformats.org/drawingml/2006/main" xmlns:r="http://schemas.openxmlformats.org/officeDocument/2006/relationships" xmlns:p="http://schemas.openxmlformats.org/presentationml/2006/main">
   <p:cSld>
     <p:spTree>
@@ -24698,7 +23885,7 @@
 </p:sld>
 </file>
 
-<file path=ppt/slides/slide8.xml><?xml version="1.0" encoding="utf-8"?>
+<file path=ppt/slides/slide7.xml><?xml version="1.0" encoding="utf-8"?>
 <p:sld xmlns:a="http://schemas.openxmlformats.org/drawingml/2006/main" xmlns:r="http://schemas.openxmlformats.org/officeDocument/2006/relationships" xmlns:p="http://schemas.openxmlformats.org/presentationml/2006/main">
   <p:cSld>
     <p:spTree>
@@ -24835,11 +24022,11 @@
               <a:t>Contains both my Entity models and my </a:t>
             </a:r>
             <a:r>
-              <a:rPr lang="en-US" sz="3600" dirty="0" err="1"/>
+              <a:rPr lang="en-US" sz="3600" dirty="0"/>
               <a:t>Api</a:t>
             </a:r>
             <a:r>
-              <a:rPr lang="en-US" sz="3600" b="0" i="0" u="none" strike="noStrike" cap="none" dirty="0" err="1">
+              <a:rPr lang="en-US" sz="3600" b="0" i="0" u="none" strike="noStrike" cap="none" dirty="0">
                 <a:solidFill>
                   <a:srgbClr val="262626"/>
                 </a:solidFill>
@@ -24848,19 +24035,7 @@
                 <a:cs typeface="Calibri"/>
                 <a:sym typeface="Calibri"/>
               </a:rPr>
-              <a:t>Models</a:t>
-            </a:r>
-            <a:r>
-              <a:rPr lang="en-US" sz="3600" b="0" i="0" u="none" strike="noStrike" cap="none" dirty="0">
-                <a:solidFill>
-                  <a:srgbClr val="262626"/>
-                </a:solidFill>
-                <a:latin typeface="Calibri"/>
-                <a:ea typeface="Calibri"/>
-                <a:cs typeface="Calibri"/>
-                <a:sym typeface="Calibri"/>
-              </a:rPr>
-              <a:t> for the solution.</a:t>
+              <a:t>Models for the solution.</a:t>
             </a:r>
             <a:endParaRPr sz="3600" dirty="0"/>
           </a:p>
@@ -24949,7 +24124,7 @@
 </p:sld>
 </file>
 
-<file path=ppt/slides/slide9.xml><?xml version="1.0" encoding="utf-8"?>
+<file path=ppt/slides/slide8.xml><?xml version="1.0" encoding="utf-8"?>
 <p:sld xmlns:a="http://schemas.openxmlformats.org/drawingml/2006/main" xmlns:r="http://schemas.openxmlformats.org/officeDocument/2006/relationships" xmlns:p="http://schemas.openxmlformats.org/presentationml/2006/main">
   <p:cSld>
     <p:spTree>
@@ -25083,7 +24258,7 @@
                 <a:cs typeface="Calibri"/>
                 <a:sym typeface="Calibri"/>
               </a:rPr>
-              <a:t>Contains all my interfaces for Data Retrieval so I can keep a well defined standard for my data access.</a:t>
+              <a:t>Contains all my interfaces for Data Retrieval so I can keep a well-defined standard for my data access.</a:t>
             </a:r>
             <a:endParaRPr sz="3600" dirty="0"/>
           </a:p>
@@ -25148,6 +24323,229 @@
           <a:xfrm>
             <a:off x="6215986" y="881986"/>
             <a:ext cx="5094027" cy="5094027"/>
+          </a:xfrm>
+          <a:prstGeom prst="rect">
+            <a:avLst/>
+          </a:prstGeom>
+          <a:noFill/>
+          <a:extLst>
+            <a:ext uri="{909E8E84-426E-40DD-AFC4-6F175D3DCCD1}">
+              <a14:hiddenFill xmlns:a14="http://schemas.microsoft.com/office/drawing/2010/main">
+                <a:solidFill>
+                  <a:srgbClr val="FFFFFF"/>
+                </a:solidFill>
+              </a14:hiddenFill>
+            </a:ext>
+          </a:extLst>
+        </p:spPr>
+      </p:pic>
+    </p:spTree>
+  </p:cSld>
+  <p:clrMapOvr>
+    <a:masterClrMapping/>
+  </p:clrMapOvr>
+</p:sld>
+</file>
+
+<file path=ppt/slides/slide9.xml><?xml version="1.0" encoding="utf-8"?>
+<p:sld xmlns:a="http://schemas.openxmlformats.org/drawingml/2006/main" xmlns:r="http://schemas.openxmlformats.org/officeDocument/2006/relationships" xmlns:p="http://schemas.openxmlformats.org/presentationml/2006/main">
+  <p:cSld>
+    <p:spTree>
+      <p:nvGrpSpPr>
+        <p:cNvPr id="1" name="Shape 224"/>
+        <p:cNvGrpSpPr/>
+        <p:nvPr/>
+      </p:nvGrpSpPr>
+      <p:grpSpPr>
+        <a:xfrm>
+          <a:off x="0" y="0"/>
+          <a:ext cx="0" cy="0"/>
+          <a:chOff x="0" y="0"/>
+          <a:chExt cx="0" cy="0"/>
+        </a:xfrm>
+      </p:grpSpPr>
+      <p:sp>
+        <p:nvSpPr>
+          <p:cNvPr id="225" name="Google Shape;225;p32"/>
+          <p:cNvSpPr txBox="1">
+            <a:spLocks noGrp="1"/>
+          </p:cNvSpPr>
+          <p:nvPr>
+            <p:ph type="title"/>
+          </p:nvPr>
+        </p:nvSpPr>
+        <p:spPr>
+          <a:xfrm>
+            <a:off x="657224" y="499533"/>
+            <a:ext cx="10772775" cy="1658198"/>
+          </a:xfrm>
+          <a:prstGeom prst="rect">
+            <a:avLst/>
+          </a:prstGeom>
+          <a:noFill/>
+          <a:ln>
+            <a:noFill/>
+          </a:ln>
+        </p:spPr>
+        <p:txBody>
+          <a:bodyPr spcFirstLastPara="1" wrap="square" lIns="91425" tIns="45700" rIns="91425" bIns="45700" anchor="ctr" anchorCtr="0">
+            <a:noAutofit/>
+          </a:bodyPr>
+          <a:lstStyle/>
+          <a:p>
+            <a:pPr marL="0" marR="0" lvl="0" indent="0" algn="l" rtl="0">
+              <a:lnSpc>
+                <a:spcPct val="85000"/>
+              </a:lnSpc>
+              <a:spcBef>
+                <a:spcPts val="0"/>
+              </a:spcBef>
+              <a:spcAft>
+                <a:spcPts val="0"/>
+              </a:spcAft>
+              <a:buClr>
+                <a:schemeClr val="accent1"/>
+              </a:buClr>
+              <a:buSzPts val="5400"/>
+              <a:buFont typeface="Calibri"/>
+              <a:buNone/>
+            </a:pPr>
+            <a:r>
+              <a:rPr lang="en-US" sz="5400" b="0" i="0" u="none" strike="noStrike" cap="none">
+                <a:solidFill>
+                  <a:schemeClr val="accent1"/>
+                </a:solidFill>
+                <a:latin typeface="Calibri"/>
+                <a:ea typeface="Calibri"/>
+                <a:cs typeface="Calibri"/>
+                <a:sym typeface="Calibri"/>
+              </a:rPr>
+              <a:t>Domain Layer</a:t>
+            </a:r>
+            <a:endParaRPr/>
+          </a:p>
+        </p:txBody>
+      </p:sp>
+      <p:sp>
+        <p:nvSpPr>
+          <p:cNvPr id="226" name="Google Shape;226;p32"/>
+          <p:cNvSpPr txBox="1">
+            <a:spLocks noGrp="1"/>
+          </p:cNvSpPr>
+          <p:nvPr>
+            <p:ph type="body" idx="1"/>
+          </p:nvPr>
+        </p:nvSpPr>
+        <p:spPr>
+          <a:xfrm>
+            <a:off x="676657" y="2011680"/>
+            <a:ext cx="5419344" cy="3766185"/>
+          </a:xfrm>
+          <a:prstGeom prst="rect">
+            <a:avLst/>
+          </a:prstGeom>
+          <a:noFill/>
+          <a:ln>
+            <a:noFill/>
+          </a:ln>
+        </p:spPr>
+        <p:txBody>
+          <a:bodyPr spcFirstLastPara="1" wrap="square" lIns="91425" tIns="45700" rIns="91425" bIns="45700" anchor="t" anchorCtr="0">
+            <a:noAutofit/>
+          </a:bodyPr>
+          <a:lstStyle/>
+          <a:p>
+            <a:pPr marL="0" marR="0" lvl="0" indent="0" algn="l" rtl="0">
+              <a:lnSpc>
+                <a:spcPct val="85000"/>
+              </a:lnSpc>
+              <a:spcBef>
+                <a:spcPts val="0"/>
+              </a:spcBef>
+              <a:spcAft>
+                <a:spcPts val="0"/>
+              </a:spcAft>
+              <a:buClr>
+                <a:srgbClr val="262626"/>
+              </a:buClr>
+              <a:buSzPts val="3600"/>
+              <a:buNone/>
+            </a:pPr>
+            <a:r>
+              <a:rPr lang="en-US" sz="3600" b="0" i="0" u="none" strike="noStrike" cap="none" dirty="0">
+                <a:solidFill>
+                  <a:srgbClr val="262626"/>
+                </a:solidFill>
+                <a:latin typeface="Calibri"/>
+                <a:ea typeface="Calibri"/>
+                <a:cs typeface="Calibri"/>
+                <a:sym typeface="Calibri"/>
+              </a:rPr>
+              <a:t>Allows me to use Dependency Injection for Repositories</a:t>
+            </a:r>
+            <a:endParaRPr sz="3600" dirty="0"/>
+          </a:p>
+          <a:p>
+            <a:pPr marL="91440" marR="0" lvl="0" indent="0" algn="l" rtl="0">
+              <a:lnSpc>
+                <a:spcPct val="85000"/>
+              </a:lnSpc>
+              <a:spcBef>
+                <a:spcPts val="1300"/>
+              </a:spcBef>
+              <a:spcAft>
+                <a:spcPts val="0"/>
+              </a:spcAft>
+              <a:buClr>
+                <a:srgbClr val="262626"/>
+              </a:buClr>
+              <a:buSzPts val="2400"/>
+              <a:buFont typeface="Arial"/>
+              <a:buNone/>
+            </a:pPr>
+            <a:endParaRPr sz="2400" b="0" i="0" u="none" strike="noStrike" cap="none" dirty="0">
+              <a:solidFill>
+                <a:srgbClr val="262626"/>
+              </a:solidFill>
+              <a:latin typeface="Calibri"/>
+              <a:ea typeface="Calibri"/>
+              <a:cs typeface="Calibri"/>
+              <a:sym typeface="Calibri"/>
+            </a:endParaRPr>
+          </a:p>
+        </p:txBody>
+      </p:sp>
+      <p:pic>
+        <p:nvPicPr>
+          <p:cNvPr id="3074" name="Picture 2" descr="See the source image">
+            <a:extLst>
+              <a:ext uri="{FF2B5EF4-FFF2-40B4-BE49-F238E27FC236}">
+                <a16:creationId xmlns:a16="http://schemas.microsoft.com/office/drawing/2014/main" id="{D3A284DA-BDD5-495A-9803-E85860EFE3B2}"/>
+              </a:ext>
+            </a:extLst>
+          </p:cNvPr>
+          <p:cNvPicPr>
+            <a:picLocks noChangeAspect="1" noChangeArrowheads="1"/>
+          </p:cNvPicPr>
+          <p:nvPr/>
+        </p:nvPicPr>
+        <p:blipFill>
+          <a:blip r:embed="rId3">
+            <a:extLst>
+              <a:ext uri="{28A0092B-C50C-407E-A947-70E740481C1C}">
+                <a14:useLocalDpi xmlns:a14="http://schemas.microsoft.com/office/drawing/2010/main" val="0"/>
+              </a:ext>
+            </a:extLst>
+          </a:blip>
+          <a:srcRect/>
+          <a:stretch>
+            <a:fillRect/>
+          </a:stretch>
+        </p:blipFill>
+        <p:spPr bwMode="auto">
+          <a:xfrm>
+            <a:off x="6096000" y="1190929"/>
+            <a:ext cx="5926470" cy="4476141"/>
           </a:xfrm>
           <a:prstGeom prst="rect">
             <a:avLst/>
